--- a/ppt 16-9/1559.丰盛的人生.pptx
+++ b/ppt 16-9/1559.丰盛的人生.pptx
@@ -5,7 +5,7 @@
     <p:sldMasterId id="2147483648" r:id="rId1"/>
   </p:sldMasterIdLst>
   <p:sldIdLst>
-    <p:sldId id="3411" r:id="rId2"/>
+    <p:sldId id="3412" r:id="rId2"/>
   </p:sldIdLst>
   <p:sldSz cx="12192000" cy="6858000"/>
   <p:notesSz cx="6858000" cy="9144000"/>
@@ -129,7 +129,7 @@
           <p:cNvPr id="2" name="标题 1">
             <a:extLst>
               <a:ext uri="{FF2B5EF4-FFF2-40B4-BE49-F238E27FC236}">
-                <a16:creationId xmlns:a16="http://schemas.microsoft.com/office/drawing/2014/main" id="{9A4F52EB-BB2C-42EA-8DA0-C785F137A9B0}"/>
+                <a16:creationId xmlns:a16="http://schemas.microsoft.com/office/drawing/2014/main" id="{E7688233-2C9A-F90F-92BF-54B779AF2398}"/>
               </a:ext>
             </a:extLst>
           </p:cNvPr>
@@ -166,7 +166,7 @@
           <p:cNvPr id="3" name="副标题 2">
             <a:extLst>
               <a:ext uri="{FF2B5EF4-FFF2-40B4-BE49-F238E27FC236}">
-                <a16:creationId xmlns:a16="http://schemas.microsoft.com/office/drawing/2014/main" id="{921C9B16-FB16-1B87-286D-692C60C60176}"/>
+                <a16:creationId xmlns:a16="http://schemas.microsoft.com/office/drawing/2014/main" id="{1580C188-B584-0217-59E1-47C99F74D6F4}"/>
               </a:ext>
             </a:extLst>
           </p:cNvPr>
@@ -236,7 +236,7 @@
           <p:cNvPr id="4" name="日期占位符 3">
             <a:extLst>
               <a:ext uri="{FF2B5EF4-FFF2-40B4-BE49-F238E27FC236}">
-                <a16:creationId xmlns:a16="http://schemas.microsoft.com/office/drawing/2014/main" id="{A4BD751C-03D9-D7B3-4BA3-C2DF09EFE025}"/>
+                <a16:creationId xmlns:a16="http://schemas.microsoft.com/office/drawing/2014/main" id="{9E33DE1B-8E94-0AEE-1ECB-541003FBBD1F}"/>
               </a:ext>
             </a:extLst>
           </p:cNvPr>
@@ -252,7 +252,7 @@
           <a:bodyPr/>
           <a:lstStyle/>
           <a:p>
-            <a:fld id="{C8C9E36E-F35E-4D8C-8BA3-C072A5F6D7BF}" type="datetimeFigureOut">
+            <a:fld id="{4033DC79-D558-4A6E-A33F-4D1C3EC3C808}" type="datetimeFigureOut">
               <a:rPr lang="zh-CN" altLang="en-US" smtClean="0"/>
               <a:t>2024/3/10</a:t>
             </a:fld>
@@ -265,7 +265,7 @@
           <p:cNvPr id="5" name="页脚占位符 4">
             <a:extLst>
               <a:ext uri="{FF2B5EF4-FFF2-40B4-BE49-F238E27FC236}">
-                <a16:creationId xmlns:a16="http://schemas.microsoft.com/office/drawing/2014/main" id="{A597E0CD-69AE-910F-C6BF-6EEAC69D0E17}"/>
+                <a16:creationId xmlns:a16="http://schemas.microsoft.com/office/drawing/2014/main" id="{F2C9DCE3-BCD4-CFBD-78F0-615BA353494E}"/>
               </a:ext>
             </a:extLst>
           </p:cNvPr>
@@ -290,7 +290,7 @@
           <p:cNvPr id="6" name="灯片编号占位符 5">
             <a:extLst>
               <a:ext uri="{FF2B5EF4-FFF2-40B4-BE49-F238E27FC236}">
-                <a16:creationId xmlns:a16="http://schemas.microsoft.com/office/drawing/2014/main" id="{37DF488E-11CE-38BE-F379-CF44E856F0D0}"/>
+                <a16:creationId xmlns:a16="http://schemas.microsoft.com/office/drawing/2014/main" id="{2E835C33-7DE1-6D5B-71C5-FC2FD50A3095}"/>
               </a:ext>
             </a:extLst>
           </p:cNvPr>
@@ -306,7 +306,7 @@
           <a:bodyPr/>
           <a:lstStyle/>
           <a:p>
-            <a:fld id="{70F29A4B-C964-45AA-961E-64299EF7227E}" type="slidenum">
+            <a:fld id="{EBABCDDB-7C74-4D6C-B49B-F2DD7D52895D}" type="slidenum">
               <a:rPr lang="zh-CN" altLang="en-US" smtClean="0"/>
               <a:t>‹#›</a:t>
             </a:fld>
@@ -317,7 +317,7 @@
     </p:spTree>
     <p:extLst>
       <p:ext uri="{BB962C8B-B14F-4D97-AF65-F5344CB8AC3E}">
-        <p14:creationId xmlns:p14="http://schemas.microsoft.com/office/powerpoint/2010/main" val="1658188276"/>
+        <p14:creationId xmlns:p14="http://schemas.microsoft.com/office/powerpoint/2010/main" val="3744689639"/>
       </p:ext>
     </p:extLst>
   </p:cSld>
@@ -349,7 +349,7 @@
           <p:cNvPr id="2" name="标题 1">
             <a:extLst>
               <a:ext uri="{FF2B5EF4-FFF2-40B4-BE49-F238E27FC236}">
-                <a16:creationId xmlns:a16="http://schemas.microsoft.com/office/drawing/2014/main" id="{1EF8265D-CA2B-CF77-DD09-1F7467D34649}"/>
+                <a16:creationId xmlns:a16="http://schemas.microsoft.com/office/drawing/2014/main" id="{FEE9900C-B07E-4C7C-DCF3-BADCE6CCF468}"/>
               </a:ext>
             </a:extLst>
           </p:cNvPr>
@@ -377,7 +377,7 @@
           <p:cNvPr id="3" name="竖排文字占位符 2">
             <a:extLst>
               <a:ext uri="{FF2B5EF4-FFF2-40B4-BE49-F238E27FC236}">
-                <a16:creationId xmlns:a16="http://schemas.microsoft.com/office/drawing/2014/main" id="{6B34F339-BB23-B681-FFC3-A13884761900}"/>
+                <a16:creationId xmlns:a16="http://schemas.microsoft.com/office/drawing/2014/main" id="{ADD8B71E-2EC2-9DE5-E067-A1558090BBFE}"/>
               </a:ext>
             </a:extLst>
           </p:cNvPr>
@@ -434,7 +434,7 @@
           <p:cNvPr id="4" name="日期占位符 3">
             <a:extLst>
               <a:ext uri="{FF2B5EF4-FFF2-40B4-BE49-F238E27FC236}">
-                <a16:creationId xmlns:a16="http://schemas.microsoft.com/office/drawing/2014/main" id="{78A6F3E1-B561-FB24-270F-B41EB5AF06B7}"/>
+                <a16:creationId xmlns:a16="http://schemas.microsoft.com/office/drawing/2014/main" id="{48A762DF-0A18-06CB-92BB-BACE23993659}"/>
               </a:ext>
             </a:extLst>
           </p:cNvPr>
@@ -450,7 +450,7 @@
           <a:bodyPr/>
           <a:lstStyle/>
           <a:p>
-            <a:fld id="{C8C9E36E-F35E-4D8C-8BA3-C072A5F6D7BF}" type="datetimeFigureOut">
+            <a:fld id="{4033DC79-D558-4A6E-A33F-4D1C3EC3C808}" type="datetimeFigureOut">
               <a:rPr lang="zh-CN" altLang="en-US" smtClean="0"/>
               <a:t>2024/3/10</a:t>
             </a:fld>
@@ -463,7 +463,7 @@
           <p:cNvPr id="5" name="页脚占位符 4">
             <a:extLst>
               <a:ext uri="{FF2B5EF4-FFF2-40B4-BE49-F238E27FC236}">
-                <a16:creationId xmlns:a16="http://schemas.microsoft.com/office/drawing/2014/main" id="{C725E71B-397D-6A57-897A-E09328C1AAB9}"/>
+                <a16:creationId xmlns:a16="http://schemas.microsoft.com/office/drawing/2014/main" id="{501ABB48-66C3-4F19-8B5D-90ED7A598960}"/>
               </a:ext>
             </a:extLst>
           </p:cNvPr>
@@ -488,7 +488,7 @@
           <p:cNvPr id="6" name="灯片编号占位符 5">
             <a:extLst>
               <a:ext uri="{FF2B5EF4-FFF2-40B4-BE49-F238E27FC236}">
-                <a16:creationId xmlns:a16="http://schemas.microsoft.com/office/drawing/2014/main" id="{C87FCFD1-FA80-9023-AE4C-F242A5CE2F83}"/>
+                <a16:creationId xmlns:a16="http://schemas.microsoft.com/office/drawing/2014/main" id="{4D1644B9-4ABB-9040-BAEB-18F5C2870FBC}"/>
               </a:ext>
             </a:extLst>
           </p:cNvPr>
@@ -504,7 +504,7 @@
           <a:bodyPr/>
           <a:lstStyle/>
           <a:p>
-            <a:fld id="{70F29A4B-C964-45AA-961E-64299EF7227E}" type="slidenum">
+            <a:fld id="{EBABCDDB-7C74-4D6C-B49B-F2DD7D52895D}" type="slidenum">
               <a:rPr lang="zh-CN" altLang="en-US" smtClean="0"/>
               <a:t>‹#›</a:t>
             </a:fld>
@@ -515,7 +515,7 @@
     </p:spTree>
     <p:extLst>
       <p:ext uri="{BB962C8B-B14F-4D97-AF65-F5344CB8AC3E}">
-        <p14:creationId xmlns:p14="http://schemas.microsoft.com/office/powerpoint/2010/main" val="3580159125"/>
+        <p14:creationId xmlns:p14="http://schemas.microsoft.com/office/powerpoint/2010/main" val="3072689382"/>
       </p:ext>
     </p:extLst>
   </p:cSld>
@@ -547,7 +547,7 @@
           <p:cNvPr id="2" name="竖排标题 1">
             <a:extLst>
               <a:ext uri="{FF2B5EF4-FFF2-40B4-BE49-F238E27FC236}">
-                <a16:creationId xmlns:a16="http://schemas.microsoft.com/office/drawing/2014/main" id="{CDD4ECDB-B07F-616B-3E72-1B9FA0EDD2BE}"/>
+                <a16:creationId xmlns:a16="http://schemas.microsoft.com/office/drawing/2014/main" id="{0EDC14BE-0E78-7171-EEE1-A89FEADB9A98}"/>
               </a:ext>
             </a:extLst>
           </p:cNvPr>
@@ -580,7 +580,7 @@
           <p:cNvPr id="3" name="竖排文字占位符 2">
             <a:extLst>
               <a:ext uri="{FF2B5EF4-FFF2-40B4-BE49-F238E27FC236}">
-                <a16:creationId xmlns:a16="http://schemas.microsoft.com/office/drawing/2014/main" id="{7BDFC38E-9060-FE97-89F7-E5968FB5901D}"/>
+                <a16:creationId xmlns:a16="http://schemas.microsoft.com/office/drawing/2014/main" id="{83DD18A6-5D03-5481-4DFE-7583F87D89D6}"/>
               </a:ext>
             </a:extLst>
           </p:cNvPr>
@@ -642,7 +642,7 @@
           <p:cNvPr id="4" name="日期占位符 3">
             <a:extLst>
               <a:ext uri="{FF2B5EF4-FFF2-40B4-BE49-F238E27FC236}">
-                <a16:creationId xmlns:a16="http://schemas.microsoft.com/office/drawing/2014/main" id="{47F58C3A-80CA-DE43-12F6-3192374D4B4C}"/>
+                <a16:creationId xmlns:a16="http://schemas.microsoft.com/office/drawing/2014/main" id="{51EA3512-03BC-C27B-0FEC-E9CD26A6D81C}"/>
               </a:ext>
             </a:extLst>
           </p:cNvPr>
@@ -658,7 +658,7 @@
           <a:bodyPr/>
           <a:lstStyle/>
           <a:p>
-            <a:fld id="{C8C9E36E-F35E-4D8C-8BA3-C072A5F6D7BF}" type="datetimeFigureOut">
+            <a:fld id="{4033DC79-D558-4A6E-A33F-4D1C3EC3C808}" type="datetimeFigureOut">
               <a:rPr lang="zh-CN" altLang="en-US" smtClean="0"/>
               <a:t>2024/3/10</a:t>
             </a:fld>
@@ -671,7 +671,7 @@
           <p:cNvPr id="5" name="页脚占位符 4">
             <a:extLst>
               <a:ext uri="{FF2B5EF4-FFF2-40B4-BE49-F238E27FC236}">
-                <a16:creationId xmlns:a16="http://schemas.microsoft.com/office/drawing/2014/main" id="{5A6E7D9A-1235-960E-2702-B05D15CB198D}"/>
+                <a16:creationId xmlns:a16="http://schemas.microsoft.com/office/drawing/2014/main" id="{1DEC2EBA-023B-D5FA-914E-78CC3BC85D1F}"/>
               </a:ext>
             </a:extLst>
           </p:cNvPr>
@@ -696,7 +696,7 @@
           <p:cNvPr id="6" name="灯片编号占位符 5">
             <a:extLst>
               <a:ext uri="{FF2B5EF4-FFF2-40B4-BE49-F238E27FC236}">
-                <a16:creationId xmlns:a16="http://schemas.microsoft.com/office/drawing/2014/main" id="{F7D1B7C0-08A9-8461-85A7-DFB6C1CECC33}"/>
+                <a16:creationId xmlns:a16="http://schemas.microsoft.com/office/drawing/2014/main" id="{F2C4324B-AE60-1654-1565-A87F89AA572B}"/>
               </a:ext>
             </a:extLst>
           </p:cNvPr>
@@ -712,7 +712,7 @@
           <a:bodyPr/>
           <a:lstStyle/>
           <a:p>
-            <a:fld id="{70F29A4B-C964-45AA-961E-64299EF7227E}" type="slidenum">
+            <a:fld id="{EBABCDDB-7C74-4D6C-B49B-F2DD7D52895D}" type="slidenum">
               <a:rPr lang="zh-CN" altLang="en-US" smtClean="0"/>
               <a:t>‹#›</a:t>
             </a:fld>
@@ -723,7 +723,7 @@
     </p:spTree>
     <p:extLst>
       <p:ext uri="{BB962C8B-B14F-4D97-AF65-F5344CB8AC3E}">
-        <p14:creationId xmlns:p14="http://schemas.microsoft.com/office/powerpoint/2010/main" val="2273479839"/>
+        <p14:creationId xmlns:p14="http://schemas.microsoft.com/office/powerpoint/2010/main" val="384881797"/>
       </p:ext>
     </p:extLst>
   </p:cSld>
@@ -755,7 +755,7 @@
           <p:cNvPr id="2" name="标题 1">
             <a:extLst>
               <a:ext uri="{FF2B5EF4-FFF2-40B4-BE49-F238E27FC236}">
-                <a16:creationId xmlns:a16="http://schemas.microsoft.com/office/drawing/2014/main" id="{298A8578-F7E4-5147-9CF4-163008EAE445}"/>
+                <a16:creationId xmlns:a16="http://schemas.microsoft.com/office/drawing/2014/main" id="{0DBD4126-E3B3-8EB4-8C14-80D4514B89E4}"/>
               </a:ext>
             </a:extLst>
           </p:cNvPr>
@@ -783,7 +783,7 @@
           <p:cNvPr id="3" name="内容占位符 2">
             <a:extLst>
               <a:ext uri="{FF2B5EF4-FFF2-40B4-BE49-F238E27FC236}">
-                <a16:creationId xmlns:a16="http://schemas.microsoft.com/office/drawing/2014/main" id="{ED2086DC-5C7B-3977-1DEA-C236611D681A}"/>
+                <a16:creationId xmlns:a16="http://schemas.microsoft.com/office/drawing/2014/main" id="{F9975B6D-60A2-05BA-1524-C3F22027C54B}"/>
               </a:ext>
             </a:extLst>
           </p:cNvPr>
@@ -840,7 +840,7 @@
           <p:cNvPr id="4" name="日期占位符 3">
             <a:extLst>
               <a:ext uri="{FF2B5EF4-FFF2-40B4-BE49-F238E27FC236}">
-                <a16:creationId xmlns:a16="http://schemas.microsoft.com/office/drawing/2014/main" id="{41D675BD-627D-577E-414B-B9DFA23DCDDE}"/>
+                <a16:creationId xmlns:a16="http://schemas.microsoft.com/office/drawing/2014/main" id="{E48EEE65-8AB9-B6BD-04A4-D3037F2EB2B3}"/>
               </a:ext>
             </a:extLst>
           </p:cNvPr>
@@ -856,7 +856,7 @@
           <a:bodyPr/>
           <a:lstStyle/>
           <a:p>
-            <a:fld id="{C8C9E36E-F35E-4D8C-8BA3-C072A5F6D7BF}" type="datetimeFigureOut">
+            <a:fld id="{4033DC79-D558-4A6E-A33F-4D1C3EC3C808}" type="datetimeFigureOut">
               <a:rPr lang="zh-CN" altLang="en-US" smtClean="0"/>
               <a:t>2024/3/10</a:t>
             </a:fld>
@@ -869,7 +869,7 @@
           <p:cNvPr id="5" name="页脚占位符 4">
             <a:extLst>
               <a:ext uri="{FF2B5EF4-FFF2-40B4-BE49-F238E27FC236}">
-                <a16:creationId xmlns:a16="http://schemas.microsoft.com/office/drawing/2014/main" id="{2EE119ED-4FFF-E15A-36C9-6B825DD8B395}"/>
+                <a16:creationId xmlns:a16="http://schemas.microsoft.com/office/drawing/2014/main" id="{B931DA5B-1914-DE9F-3150-1F4A4FF0E398}"/>
               </a:ext>
             </a:extLst>
           </p:cNvPr>
@@ -894,7 +894,7 @@
           <p:cNvPr id="6" name="灯片编号占位符 5">
             <a:extLst>
               <a:ext uri="{FF2B5EF4-FFF2-40B4-BE49-F238E27FC236}">
-                <a16:creationId xmlns:a16="http://schemas.microsoft.com/office/drawing/2014/main" id="{96C16B66-1A44-813C-200C-469B993E94C6}"/>
+                <a16:creationId xmlns:a16="http://schemas.microsoft.com/office/drawing/2014/main" id="{1CE786F4-108D-402F-64D1-06B732CC0648}"/>
               </a:ext>
             </a:extLst>
           </p:cNvPr>
@@ -910,7 +910,7 @@
           <a:bodyPr/>
           <a:lstStyle/>
           <a:p>
-            <a:fld id="{70F29A4B-C964-45AA-961E-64299EF7227E}" type="slidenum">
+            <a:fld id="{EBABCDDB-7C74-4D6C-B49B-F2DD7D52895D}" type="slidenum">
               <a:rPr lang="zh-CN" altLang="en-US" smtClean="0"/>
               <a:t>‹#›</a:t>
             </a:fld>
@@ -921,7 +921,7 @@
     </p:spTree>
     <p:extLst>
       <p:ext uri="{BB962C8B-B14F-4D97-AF65-F5344CB8AC3E}">
-        <p14:creationId xmlns:p14="http://schemas.microsoft.com/office/powerpoint/2010/main" val="4278937884"/>
+        <p14:creationId xmlns:p14="http://schemas.microsoft.com/office/powerpoint/2010/main" val="4012609674"/>
       </p:ext>
     </p:extLst>
   </p:cSld>
@@ -953,7 +953,7 @@
           <p:cNvPr id="2" name="标题 1">
             <a:extLst>
               <a:ext uri="{FF2B5EF4-FFF2-40B4-BE49-F238E27FC236}">
-                <a16:creationId xmlns:a16="http://schemas.microsoft.com/office/drawing/2014/main" id="{BE225D2E-935C-FB3E-E32C-95176F0621A5}"/>
+                <a16:creationId xmlns:a16="http://schemas.microsoft.com/office/drawing/2014/main" id="{702023A7-002A-BDC8-7FC2-47A5E809CBF2}"/>
               </a:ext>
             </a:extLst>
           </p:cNvPr>
@@ -990,7 +990,7 @@
           <p:cNvPr id="3" name="文本占位符 2">
             <a:extLst>
               <a:ext uri="{FF2B5EF4-FFF2-40B4-BE49-F238E27FC236}">
-                <a16:creationId xmlns:a16="http://schemas.microsoft.com/office/drawing/2014/main" id="{B91F2F91-451F-34D5-2CA9-A15AE77FAB01}"/>
+                <a16:creationId xmlns:a16="http://schemas.microsoft.com/office/drawing/2014/main" id="{AFCC5E7D-ED30-266C-A227-710BBB4261D1}"/>
               </a:ext>
             </a:extLst>
           </p:cNvPr>
@@ -1115,7 +1115,7 @@
           <p:cNvPr id="4" name="日期占位符 3">
             <a:extLst>
               <a:ext uri="{FF2B5EF4-FFF2-40B4-BE49-F238E27FC236}">
-                <a16:creationId xmlns:a16="http://schemas.microsoft.com/office/drawing/2014/main" id="{4E633245-80A0-7CDD-C830-D0FCE3D31C5A}"/>
+                <a16:creationId xmlns:a16="http://schemas.microsoft.com/office/drawing/2014/main" id="{28922DD1-020F-4C50-1F50-1E07526F25C5}"/>
               </a:ext>
             </a:extLst>
           </p:cNvPr>
@@ -1131,7 +1131,7 @@
           <a:bodyPr/>
           <a:lstStyle/>
           <a:p>
-            <a:fld id="{C8C9E36E-F35E-4D8C-8BA3-C072A5F6D7BF}" type="datetimeFigureOut">
+            <a:fld id="{4033DC79-D558-4A6E-A33F-4D1C3EC3C808}" type="datetimeFigureOut">
               <a:rPr lang="zh-CN" altLang="en-US" smtClean="0"/>
               <a:t>2024/3/10</a:t>
             </a:fld>
@@ -1144,7 +1144,7 @@
           <p:cNvPr id="5" name="页脚占位符 4">
             <a:extLst>
               <a:ext uri="{FF2B5EF4-FFF2-40B4-BE49-F238E27FC236}">
-                <a16:creationId xmlns:a16="http://schemas.microsoft.com/office/drawing/2014/main" id="{7A97ED4B-754E-D0A1-830A-8EA1CA602B76}"/>
+                <a16:creationId xmlns:a16="http://schemas.microsoft.com/office/drawing/2014/main" id="{423166FA-4C22-6464-7094-4679D16F28E3}"/>
               </a:ext>
             </a:extLst>
           </p:cNvPr>
@@ -1169,7 +1169,7 @@
           <p:cNvPr id="6" name="灯片编号占位符 5">
             <a:extLst>
               <a:ext uri="{FF2B5EF4-FFF2-40B4-BE49-F238E27FC236}">
-                <a16:creationId xmlns:a16="http://schemas.microsoft.com/office/drawing/2014/main" id="{C6E1C182-D958-C352-AE4F-8D49C62AC5A6}"/>
+                <a16:creationId xmlns:a16="http://schemas.microsoft.com/office/drawing/2014/main" id="{37CDF9B7-0913-85DB-0EF3-B3490AF0FD7A}"/>
               </a:ext>
             </a:extLst>
           </p:cNvPr>
@@ -1185,7 +1185,7 @@
           <a:bodyPr/>
           <a:lstStyle/>
           <a:p>
-            <a:fld id="{70F29A4B-C964-45AA-961E-64299EF7227E}" type="slidenum">
+            <a:fld id="{EBABCDDB-7C74-4D6C-B49B-F2DD7D52895D}" type="slidenum">
               <a:rPr lang="zh-CN" altLang="en-US" smtClean="0"/>
               <a:t>‹#›</a:t>
             </a:fld>
@@ -1196,7 +1196,7 @@
     </p:spTree>
     <p:extLst>
       <p:ext uri="{BB962C8B-B14F-4D97-AF65-F5344CB8AC3E}">
-        <p14:creationId xmlns:p14="http://schemas.microsoft.com/office/powerpoint/2010/main" val="3088528230"/>
+        <p14:creationId xmlns:p14="http://schemas.microsoft.com/office/powerpoint/2010/main" val="3467931182"/>
       </p:ext>
     </p:extLst>
   </p:cSld>
@@ -1228,7 +1228,7 @@
           <p:cNvPr id="2" name="标题 1">
             <a:extLst>
               <a:ext uri="{FF2B5EF4-FFF2-40B4-BE49-F238E27FC236}">
-                <a16:creationId xmlns:a16="http://schemas.microsoft.com/office/drawing/2014/main" id="{53EBCD08-B475-8DAB-21CD-05129680B271}"/>
+                <a16:creationId xmlns:a16="http://schemas.microsoft.com/office/drawing/2014/main" id="{8EA5ABAF-7AFD-E217-5F55-5DB557BC7657}"/>
               </a:ext>
             </a:extLst>
           </p:cNvPr>
@@ -1256,7 +1256,7 @@
           <p:cNvPr id="3" name="内容占位符 2">
             <a:extLst>
               <a:ext uri="{FF2B5EF4-FFF2-40B4-BE49-F238E27FC236}">
-                <a16:creationId xmlns:a16="http://schemas.microsoft.com/office/drawing/2014/main" id="{D640A3A6-D737-63D2-C6C7-8B26AB25AD2B}"/>
+                <a16:creationId xmlns:a16="http://schemas.microsoft.com/office/drawing/2014/main" id="{E931D69C-9E0D-D00D-DA84-E1E460D9D954}"/>
               </a:ext>
             </a:extLst>
           </p:cNvPr>
@@ -1318,7 +1318,7 @@
           <p:cNvPr id="4" name="内容占位符 3">
             <a:extLst>
               <a:ext uri="{FF2B5EF4-FFF2-40B4-BE49-F238E27FC236}">
-                <a16:creationId xmlns:a16="http://schemas.microsoft.com/office/drawing/2014/main" id="{8A60FD80-0BB9-8669-0543-CB3B57BAE026}"/>
+                <a16:creationId xmlns:a16="http://schemas.microsoft.com/office/drawing/2014/main" id="{2F406D40-BF38-789F-2CA6-BA8C9068EAC1}"/>
               </a:ext>
             </a:extLst>
           </p:cNvPr>
@@ -1380,7 +1380,7 @@
           <p:cNvPr id="5" name="日期占位符 4">
             <a:extLst>
               <a:ext uri="{FF2B5EF4-FFF2-40B4-BE49-F238E27FC236}">
-                <a16:creationId xmlns:a16="http://schemas.microsoft.com/office/drawing/2014/main" id="{F4C82672-8D04-4EFC-7560-3F4132D3DEA5}"/>
+                <a16:creationId xmlns:a16="http://schemas.microsoft.com/office/drawing/2014/main" id="{DEABFE55-2C77-21DD-CD64-DBEF30454D3C}"/>
               </a:ext>
             </a:extLst>
           </p:cNvPr>
@@ -1396,7 +1396,7 @@
           <a:bodyPr/>
           <a:lstStyle/>
           <a:p>
-            <a:fld id="{C8C9E36E-F35E-4D8C-8BA3-C072A5F6D7BF}" type="datetimeFigureOut">
+            <a:fld id="{4033DC79-D558-4A6E-A33F-4D1C3EC3C808}" type="datetimeFigureOut">
               <a:rPr lang="zh-CN" altLang="en-US" smtClean="0"/>
               <a:t>2024/3/10</a:t>
             </a:fld>
@@ -1409,7 +1409,7 @@
           <p:cNvPr id="6" name="页脚占位符 5">
             <a:extLst>
               <a:ext uri="{FF2B5EF4-FFF2-40B4-BE49-F238E27FC236}">
-                <a16:creationId xmlns:a16="http://schemas.microsoft.com/office/drawing/2014/main" id="{537BCB73-803B-1090-7B78-80449335A686}"/>
+                <a16:creationId xmlns:a16="http://schemas.microsoft.com/office/drawing/2014/main" id="{04FE31F4-B92C-6788-8A0E-D8FAAE531F9F}"/>
               </a:ext>
             </a:extLst>
           </p:cNvPr>
@@ -1434,7 +1434,7 @@
           <p:cNvPr id="7" name="灯片编号占位符 6">
             <a:extLst>
               <a:ext uri="{FF2B5EF4-FFF2-40B4-BE49-F238E27FC236}">
-                <a16:creationId xmlns:a16="http://schemas.microsoft.com/office/drawing/2014/main" id="{BD54D3B6-0825-5C3B-3D37-791C6543AC23}"/>
+                <a16:creationId xmlns:a16="http://schemas.microsoft.com/office/drawing/2014/main" id="{FD74C961-1FFF-066A-018D-CEB7C0B4075B}"/>
               </a:ext>
             </a:extLst>
           </p:cNvPr>
@@ -1450,7 +1450,7 @@
           <a:bodyPr/>
           <a:lstStyle/>
           <a:p>
-            <a:fld id="{70F29A4B-C964-45AA-961E-64299EF7227E}" type="slidenum">
+            <a:fld id="{EBABCDDB-7C74-4D6C-B49B-F2DD7D52895D}" type="slidenum">
               <a:rPr lang="zh-CN" altLang="en-US" smtClean="0"/>
               <a:t>‹#›</a:t>
             </a:fld>
@@ -1461,7 +1461,7 @@
     </p:spTree>
     <p:extLst>
       <p:ext uri="{BB962C8B-B14F-4D97-AF65-F5344CB8AC3E}">
-        <p14:creationId xmlns:p14="http://schemas.microsoft.com/office/powerpoint/2010/main" val="4277836243"/>
+        <p14:creationId xmlns:p14="http://schemas.microsoft.com/office/powerpoint/2010/main" val="709965986"/>
       </p:ext>
     </p:extLst>
   </p:cSld>
@@ -1493,7 +1493,7 @@
           <p:cNvPr id="2" name="标题 1">
             <a:extLst>
               <a:ext uri="{FF2B5EF4-FFF2-40B4-BE49-F238E27FC236}">
-                <a16:creationId xmlns:a16="http://schemas.microsoft.com/office/drawing/2014/main" id="{C5A4CC7B-4555-4567-A232-AFD6EB9E1446}"/>
+                <a16:creationId xmlns:a16="http://schemas.microsoft.com/office/drawing/2014/main" id="{773AE1B2-D522-C3A2-ABB5-F0A2E11074CD}"/>
               </a:ext>
             </a:extLst>
           </p:cNvPr>
@@ -1526,7 +1526,7 @@
           <p:cNvPr id="3" name="文本占位符 2">
             <a:extLst>
               <a:ext uri="{FF2B5EF4-FFF2-40B4-BE49-F238E27FC236}">
-                <a16:creationId xmlns:a16="http://schemas.microsoft.com/office/drawing/2014/main" id="{F09BB162-FF73-595B-EB0C-57BC196B3CC0}"/>
+                <a16:creationId xmlns:a16="http://schemas.microsoft.com/office/drawing/2014/main" id="{E218EF46-7715-FF1C-E29B-0337753C946F}"/>
               </a:ext>
             </a:extLst>
           </p:cNvPr>
@@ -1597,7 +1597,7 @@
           <p:cNvPr id="4" name="内容占位符 3">
             <a:extLst>
               <a:ext uri="{FF2B5EF4-FFF2-40B4-BE49-F238E27FC236}">
-                <a16:creationId xmlns:a16="http://schemas.microsoft.com/office/drawing/2014/main" id="{BB31C85D-5C3C-CFD0-5E40-F95B656E7802}"/>
+                <a16:creationId xmlns:a16="http://schemas.microsoft.com/office/drawing/2014/main" id="{835035FB-BD3D-8591-FA48-AA8CFB2C1155}"/>
               </a:ext>
             </a:extLst>
           </p:cNvPr>
@@ -1659,7 +1659,7 @@
           <p:cNvPr id="5" name="文本占位符 4">
             <a:extLst>
               <a:ext uri="{FF2B5EF4-FFF2-40B4-BE49-F238E27FC236}">
-                <a16:creationId xmlns:a16="http://schemas.microsoft.com/office/drawing/2014/main" id="{CB3C8A59-FFB4-6430-640E-DDE75B51AAE3}"/>
+                <a16:creationId xmlns:a16="http://schemas.microsoft.com/office/drawing/2014/main" id="{C7631003-8E9B-BBCF-C7C5-56E2DE677431}"/>
               </a:ext>
             </a:extLst>
           </p:cNvPr>
@@ -1730,7 +1730,7 @@
           <p:cNvPr id="6" name="内容占位符 5">
             <a:extLst>
               <a:ext uri="{FF2B5EF4-FFF2-40B4-BE49-F238E27FC236}">
-                <a16:creationId xmlns:a16="http://schemas.microsoft.com/office/drawing/2014/main" id="{7959AA97-D13F-9495-5641-8F9CC43C7871}"/>
+                <a16:creationId xmlns:a16="http://schemas.microsoft.com/office/drawing/2014/main" id="{F7559E21-7D13-3735-1663-21F38DCF2AE7}"/>
               </a:ext>
             </a:extLst>
           </p:cNvPr>
@@ -1792,7 +1792,7 @@
           <p:cNvPr id="7" name="日期占位符 6">
             <a:extLst>
               <a:ext uri="{FF2B5EF4-FFF2-40B4-BE49-F238E27FC236}">
-                <a16:creationId xmlns:a16="http://schemas.microsoft.com/office/drawing/2014/main" id="{568EEB8D-6BB4-611B-6841-2D59EB845A6C}"/>
+                <a16:creationId xmlns:a16="http://schemas.microsoft.com/office/drawing/2014/main" id="{22509932-185E-5FA2-A246-AD3703DFBDDA}"/>
               </a:ext>
             </a:extLst>
           </p:cNvPr>
@@ -1808,7 +1808,7 @@
           <a:bodyPr/>
           <a:lstStyle/>
           <a:p>
-            <a:fld id="{C8C9E36E-F35E-4D8C-8BA3-C072A5F6D7BF}" type="datetimeFigureOut">
+            <a:fld id="{4033DC79-D558-4A6E-A33F-4D1C3EC3C808}" type="datetimeFigureOut">
               <a:rPr lang="zh-CN" altLang="en-US" smtClean="0"/>
               <a:t>2024/3/10</a:t>
             </a:fld>
@@ -1821,7 +1821,7 @@
           <p:cNvPr id="8" name="页脚占位符 7">
             <a:extLst>
               <a:ext uri="{FF2B5EF4-FFF2-40B4-BE49-F238E27FC236}">
-                <a16:creationId xmlns:a16="http://schemas.microsoft.com/office/drawing/2014/main" id="{DB83EB09-6816-EF79-3841-A723B7606ABF}"/>
+                <a16:creationId xmlns:a16="http://schemas.microsoft.com/office/drawing/2014/main" id="{4E7B3BD6-BF84-FD2A-D0E8-3AB59AC6DD5D}"/>
               </a:ext>
             </a:extLst>
           </p:cNvPr>
@@ -1846,7 +1846,7 @@
           <p:cNvPr id="9" name="灯片编号占位符 8">
             <a:extLst>
               <a:ext uri="{FF2B5EF4-FFF2-40B4-BE49-F238E27FC236}">
-                <a16:creationId xmlns:a16="http://schemas.microsoft.com/office/drawing/2014/main" id="{37B676E6-65AF-4C8A-35AE-104829CA627B}"/>
+                <a16:creationId xmlns:a16="http://schemas.microsoft.com/office/drawing/2014/main" id="{EB0DF1B2-AD4B-2F9C-D984-CA032D87892B}"/>
               </a:ext>
             </a:extLst>
           </p:cNvPr>
@@ -1862,7 +1862,7 @@
           <a:bodyPr/>
           <a:lstStyle/>
           <a:p>
-            <a:fld id="{70F29A4B-C964-45AA-961E-64299EF7227E}" type="slidenum">
+            <a:fld id="{EBABCDDB-7C74-4D6C-B49B-F2DD7D52895D}" type="slidenum">
               <a:rPr lang="zh-CN" altLang="en-US" smtClean="0"/>
               <a:t>‹#›</a:t>
             </a:fld>
@@ -1873,7 +1873,7 @@
     </p:spTree>
     <p:extLst>
       <p:ext uri="{BB962C8B-B14F-4D97-AF65-F5344CB8AC3E}">
-        <p14:creationId xmlns:p14="http://schemas.microsoft.com/office/powerpoint/2010/main" val="166590150"/>
+        <p14:creationId xmlns:p14="http://schemas.microsoft.com/office/powerpoint/2010/main" val="301299951"/>
       </p:ext>
     </p:extLst>
   </p:cSld>
@@ -1905,7 +1905,7 @@
           <p:cNvPr id="2" name="标题 1">
             <a:extLst>
               <a:ext uri="{FF2B5EF4-FFF2-40B4-BE49-F238E27FC236}">
-                <a16:creationId xmlns:a16="http://schemas.microsoft.com/office/drawing/2014/main" id="{C11270E9-CF70-076B-C5E9-F21201D4935E}"/>
+                <a16:creationId xmlns:a16="http://schemas.microsoft.com/office/drawing/2014/main" id="{31BF71A5-6097-61BA-69FF-478F175C9DF0}"/>
               </a:ext>
             </a:extLst>
           </p:cNvPr>
@@ -1933,7 +1933,7 @@
           <p:cNvPr id="3" name="日期占位符 2">
             <a:extLst>
               <a:ext uri="{FF2B5EF4-FFF2-40B4-BE49-F238E27FC236}">
-                <a16:creationId xmlns:a16="http://schemas.microsoft.com/office/drawing/2014/main" id="{CF03AC5F-512A-81E6-9095-77AD57A3440C}"/>
+                <a16:creationId xmlns:a16="http://schemas.microsoft.com/office/drawing/2014/main" id="{2B38A2F5-4401-8312-7769-517D3C984A6E}"/>
               </a:ext>
             </a:extLst>
           </p:cNvPr>
@@ -1949,7 +1949,7 @@
           <a:bodyPr/>
           <a:lstStyle/>
           <a:p>
-            <a:fld id="{C8C9E36E-F35E-4D8C-8BA3-C072A5F6D7BF}" type="datetimeFigureOut">
+            <a:fld id="{4033DC79-D558-4A6E-A33F-4D1C3EC3C808}" type="datetimeFigureOut">
               <a:rPr lang="zh-CN" altLang="en-US" smtClean="0"/>
               <a:t>2024/3/10</a:t>
             </a:fld>
@@ -1962,7 +1962,7 @@
           <p:cNvPr id="4" name="页脚占位符 3">
             <a:extLst>
               <a:ext uri="{FF2B5EF4-FFF2-40B4-BE49-F238E27FC236}">
-                <a16:creationId xmlns:a16="http://schemas.microsoft.com/office/drawing/2014/main" id="{3BF8CE08-BA53-93D6-CBCC-A6D619321568}"/>
+                <a16:creationId xmlns:a16="http://schemas.microsoft.com/office/drawing/2014/main" id="{0E9CE617-E29D-8FDD-4C52-70E1059FA249}"/>
               </a:ext>
             </a:extLst>
           </p:cNvPr>
@@ -1987,7 +1987,7 @@
           <p:cNvPr id="5" name="灯片编号占位符 4">
             <a:extLst>
               <a:ext uri="{FF2B5EF4-FFF2-40B4-BE49-F238E27FC236}">
-                <a16:creationId xmlns:a16="http://schemas.microsoft.com/office/drawing/2014/main" id="{F5C9CC31-523F-01C5-A800-CBEF78FA19A2}"/>
+                <a16:creationId xmlns:a16="http://schemas.microsoft.com/office/drawing/2014/main" id="{A261C288-B6C7-0E21-9347-A7421E33DCAB}"/>
               </a:ext>
             </a:extLst>
           </p:cNvPr>
@@ -2003,7 +2003,7 @@
           <a:bodyPr/>
           <a:lstStyle/>
           <a:p>
-            <a:fld id="{70F29A4B-C964-45AA-961E-64299EF7227E}" type="slidenum">
+            <a:fld id="{EBABCDDB-7C74-4D6C-B49B-F2DD7D52895D}" type="slidenum">
               <a:rPr lang="zh-CN" altLang="en-US" smtClean="0"/>
               <a:t>‹#›</a:t>
             </a:fld>
@@ -2014,7 +2014,7 @@
     </p:spTree>
     <p:extLst>
       <p:ext uri="{BB962C8B-B14F-4D97-AF65-F5344CB8AC3E}">
-        <p14:creationId xmlns:p14="http://schemas.microsoft.com/office/powerpoint/2010/main" val="3960632954"/>
+        <p14:creationId xmlns:p14="http://schemas.microsoft.com/office/powerpoint/2010/main" val="484081704"/>
       </p:ext>
     </p:extLst>
   </p:cSld>
@@ -2046,7 +2046,7 @@
           <p:cNvPr id="2" name="日期占位符 1">
             <a:extLst>
               <a:ext uri="{FF2B5EF4-FFF2-40B4-BE49-F238E27FC236}">
-                <a16:creationId xmlns:a16="http://schemas.microsoft.com/office/drawing/2014/main" id="{B627418A-AECE-1C50-430F-869E6945700D}"/>
+                <a16:creationId xmlns:a16="http://schemas.microsoft.com/office/drawing/2014/main" id="{A8E70A66-024C-B6F0-CD5C-0946A8DD173D}"/>
               </a:ext>
             </a:extLst>
           </p:cNvPr>
@@ -2062,7 +2062,7 @@
           <a:bodyPr/>
           <a:lstStyle/>
           <a:p>
-            <a:fld id="{C8C9E36E-F35E-4D8C-8BA3-C072A5F6D7BF}" type="datetimeFigureOut">
+            <a:fld id="{4033DC79-D558-4A6E-A33F-4D1C3EC3C808}" type="datetimeFigureOut">
               <a:rPr lang="zh-CN" altLang="en-US" smtClean="0"/>
               <a:t>2024/3/10</a:t>
             </a:fld>
@@ -2075,7 +2075,7 @@
           <p:cNvPr id="3" name="页脚占位符 2">
             <a:extLst>
               <a:ext uri="{FF2B5EF4-FFF2-40B4-BE49-F238E27FC236}">
-                <a16:creationId xmlns:a16="http://schemas.microsoft.com/office/drawing/2014/main" id="{FE20D60C-BE27-DB89-2EC4-BA207A8BAAEB}"/>
+                <a16:creationId xmlns:a16="http://schemas.microsoft.com/office/drawing/2014/main" id="{0FC37D58-96F6-0110-333E-3D95BACBFC5D}"/>
               </a:ext>
             </a:extLst>
           </p:cNvPr>
@@ -2100,7 +2100,7 @@
           <p:cNvPr id="4" name="灯片编号占位符 3">
             <a:extLst>
               <a:ext uri="{FF2B5EF4-FFF2-40B4-BE49-F238E27FC236}">
-                <a16:creationId xmlns:a16="http://schemas.microsoft.com/office/drawing/2014/main" id="{514B71CC-578D-69D2-6B99-F16C12DEF072}"/>
+                <a16:creationId xmlns:a16="http://schemas.microsoft.com/office/drawing/2014/main" id="{42224167-6A17-70A9-3BE1-B97F5030F97A}"/>
               </a:ext>
             </a:extLst>
           </p:cNvPr>
@@ -2116,7 +2116,7 @@
           <a:bodyPr/>
           <a:lstStyle/>
           <a:p>
-            <a:fld id="{70F29A4B-C964-45AA-961E-64299EF7227E}" type="slidenum">
+            <a:fld id="{EBABCDDB-7C74-4D6C-B49B-F2DD7D52895D}" type="slidenum">
               <a:rPr lang="zh-CN" altLang="en-US" smtClean="0"/>
               <a:t>‹#›</a:t>
             </a:fld>
@@ -2127,7 +2127,7 @@
     </p:spTree>
     <p:extLst>
       <p:ext uri="{BB962C8B-B14F-4D97-AF65-F5344CB8AC3E}">
-        <p14:creationId xmlns:p14="http://schemas.microsoft.com/office/powerpoint/2010/main" val="582519451"/>
+        <p14:creationId xmlns:p14="http://schemas.microsoft.com/office/powerpoint/2010/main" val="3689137611"/>
       </p:ext>
     </p:extLst>
   </p:cSld>
@@ -2159,7 +2159,7 @@
           <p:cNvPr id="2" name="标题 1">
             <a:extLst>
               <a:ext uri="{FF2B5EF4-FFF2-40B4-BE49-F238E27FC236}">
-                <a16:creationId xmlns:a16="http://schemas.microsoft.com/office/drawing/2014/main" id="{8288FD49-BB46-4F31-FBCC-16693CB58F27}"/>
+                <a16:creationId xmlns:a16="http://schemas.microsoft.com/office/drawing/2014/main" id="{D6008D17-9F81-E891-7274-3A54D3512CD7}"/>
               </a:ext>
             </a:extLst>
           </p:cNvPr>
@@ -2196,7 +2196,7 @@
           <p:cNvPr id="3" name="内容占位符 2">
             <a:extLst>
               <a:ext uri="{FF2B5EF4-FFF2-40B4-BE49-F238E27FC236}">
-                <a16:creationId xmlns:a16="http://schemas.microsoft.com/office/drawing/2014/main" id="{FAA1E7DC-17D6-AA09-A2A1-7361AB30186E}"/>
+                <a16:creationId xmlns:a16="http://schemas.microsoft.com/office/drawing/2014/main" id="{EE21801C-4E3E-FC9F-C781-159D8172778B}"/>
               </a:ext>
             </a:extLst>
           </p:cNvPr>
@@ -2286,7 +2286,7 @@
           <p:cNvPr id="4" name="文本占位符 3">
             <a:extLst>
               <a:ext uri="{FF2B5EF4-FFF2-40B4-BE49-F238E27FC236}">
-                <a16:creationId xmlns:a16="http://schemas.microsoft.com/office/drawing/2014/main" id="{43103583-4FD5-779F-E94E-994A3353448E}"/>
+                <a16:creationId xmlns:a16="http://schemas.microsoft.com/office/drawing/2014/main" id="{93B8660E-72F4-9677-4C88-4BA2BF1268E4}"/>
               </a:ext>
             </a:extLst>
           </p:cNvPr>
@@ -2357,7 +2357,7 @@
           <p:cNvPr id="5" name="日期占位符 4">
             <a:extLst>
               <a:ext uri="{FF2B5EF4-FFF2-40B4-BE49-F238E27FC236}">
-                <a16:creationId xmlns:a16="http://schemas.microsoft.com/office/drawing/2014/main" id="{F781FE71-BA37-5A59-BB86-B6E52C3F6E0B}"/>
+                <a16:creationId xmlns:a16="http://schemas.microsoft.com/office/drawing/2014/main" id="{4CAE04B4-A0D4-DD2C-AEAA-138CC4C925A6}"/>
               </a:ext>
             </a:extLst>
           </p:cNvPr>
@@ -2373,7 +2373,7 @@
           <a:bodyPr/>
           <a:lstStyle/>
           <a:p>
-            <a:fld id="{C8C9E36E-F35E-4D8C-8BA3-C072A5F6D7BF}" type="datetimeFigureOut">
+            <a:fld id="{4033DC79-D558-4A6E-A33F-4D1C3EC3C808}" type="datetimeFigureOut">
               <a:rPr lang="zh-CN" altLang="en-US" smtClean="0"/>
               <a:t>2024/3/10</a:t>
             </a:fld>
@@ -2386,7 +2386,7 @@
           <p:cNvPr id="6" name="页脚占位符 5">
             <a:extLst>
               <a:ext uri="{FF2B5EF4-FFF2-40B4-BE49-F238E27FC236}">
-                <a16:creationId xmlns:a16="http://schemas.microsoft.com/office/drawing/2014/main" id="{679C1D49-7DFA-FB6C-6A29-1579D24A392B}"/>
+                <a16:creationId xmlns:a16="http://schemas.microsoft.com/office/drawing/2014/main" id="{4BD9E45B-45F6-7BB6-7F7B-29AC7BA69DF0}"/>
               </a:ext>
             </a:extLst>
           </p:cNvPr>
@@ -2411,7 +2411,7 @@
           <p:cNvPr id="7" name="灯片编号占位符 6">
             <a:extLst>
               <a:ext uri="{FF2B5EF4-FFF2-40B4-BE49-F238E27FC236}">
-                <a16:creationId xmlns:a16="http://schemas.microsoft.com/office/drawing/2014/main" id="{F6BC3A55-BAEF-21ED-759F-D47C38B55778}"/>
+                <a16:creationId xmlns:a16="http://schemas.microsoft.com/office/drawing/2014/main" id="{BE9A7603-4039-155A-D98A-9EC446A2CE49}"/>
               </a:ext>
             </a:extLst>
           </p:cNvPr>
@@ -2427,7 +2427,7 @@
           <a:bodyPr/>
           <a:lstStyle/>
           <a:p>
-            <a:fld id="{70F29A4B-C964-45AA-961E-64299EF7227E}" type="slidenum">
+            <a:fld id="{EBABCDDB-7C74-4D6C-B49B-F2DD7D52895D}" type="slidenum">
               <a:rPr lang="zh-CN" altLang="en-US" smtClean="0"/>
               <a:t>‹#›</a:t>
             </a:fld>
@@ -2438,7 +2438,7 @@
     </p:spTree>
     <p:extLst>
       <p:ext uri="{BB962C8B-B14F-4D97-AF65-F5344CB8AC3E}">
-        <p14:creationId xmlns:p14="http://schemas.microsoft.com/office/powerpoint/2010/main" val="2083006133"/>
+        <p14:creationId xmlns:p14="http://schemas.microsoft.com/office/powerpoint/2010/main" val="208114857"/>
       </p:ext>
     </p:extLst>
   </p:cSld>
@@ -2470,7 +2470,7 @@
           <p:cNvPr id="2" name="标题 1">
             <a:extLst>
               <a:ext uri="{FF2B5EF4-FFF2-40B4-BE49-F238E27FC236}">
-                <a16:creationId xmlns:a16="http://schemas.microsoft.com/office/drawing/2014/main" id="{1015C841-A597-AB92-8B45-9A75A450F1CA}"/>
+                <a16:creationId xmlns:a16="http://schemas.microsoft.com/office/drawing/2014/main" id="{FBA13C0A-3DAA-4FF6-428C-A4B0126643F6}"/>
               </a:ext>
             </a:extLst>
           </p:cNvPr>
@@ -2507,7 +2507,7 @@
           <p:cNvPr id="3" name="图片占位符 2">
             <a:extLst>
               <a:ext uri="{FF2B5EF4-FFF2-40B4-BE49-F238E27FC236}">
-                <a16:creationId xmlns:a16="http://schemas.microsoft.com/office/drawing/2014/main" id="{A3DC5F02-EECC-27C0-3D9D-D6CF3B127E0A}"/>
+                <a16:creationId xmlns:a16="http://schemas.microsoft.com/office/drawing/2014/main" id="{2F3B67FA-BCC6-7580-68E1-021AE84E6905}"/>
               </a:ext>
             </a:extLst>
           </p:cNvPr>
@@ -2574,7 +2574,7 @@
           <p:cNvPr id="4" name="文本占位符 3">
             <a:extLst>
               <a:ext uri="{FF2B5EF4-FFF2-40B4-BE49-F238E27FC236}">
-                <a16:creationId xmlns:a16="http://schemas.microsoft.com/office/drawing/2014/main" id="{9533C4AB-1B66-4869-0FD9-FEC3DF1C131F}"/>
+                <a16:creationId xmlns:a16="http://schemas.microsoft.com/office/drawing/2014/main" id="{59B1AAA1-C392-3885-BA6B-3A274A4945AB}"/>
               </a:ext>
             </a:extLst>
           </p:cNvPr>
@@ -2645,7 +2645,7 @@
           <p:cNvPr id="5" name="日期占位符 4">
             <a:extLst>
               <a:ext uri="{FF2B5EF4-FFF2-40B4-BE49-F238E27FC236}">
-                <a16:creationId xmlns:a16="http://schemas.microsoft.com/office/drawing/2014/main" id="{1C00AF9C-26BC-FEEC-3DF0-7843593698A7}"/>
+                <a16:creationId xmlns:a16="http://schemas.microsoft.com/office/drawing/2014/main" id="{5D6EC0CE-E995-EAC2-F7CC-76F4C8A5F184}"/>
               </a:ext>
             </a:extLst>
           </p:cNvPr>
@@ -2661,7 +2661,7 @@
           <a:bodyPr/>
           <a:lstStyle/>
           <a:p>
-            <a:fld id="{C8C9E36E-F35E-4D8C-8BA3-C072A5F6D7BF}" type="datetimeFigureOut">
+            <a:fld id="{4033DC79-D558-4A6E-A33F-4D1C3EC3C808}" type="datetimeFigureOut">
               <a:rPr lang="zh-CN" altLang="en-US" smtClean="0"/>
               <a:t>2024/3/10</a:t>
             </a:fld>
@@ -2674,7 +2674,7 @@
           <p:cNvPr id="6" name="页脚占位符 5">
             <a:extLst>
               <a:ext uri="{FF2B5EF4-FFF2-40B4-BE49-F238E27FC236}">
-                <a16:creationId xmlns:a16="http://schemas.microsoft.com/office/drawing/2014/main" id="{A36E92EE-1673-C1FD-1D43-201A3F57F8B1}"/>
+                <a16:creationId xmlns:a16="http://schemas.microsoft.com/office/drawing/2014/main" id="{25919369-9623-BC24-5980-367392530086}"/>
               </a:ext>
             </a:extLst>
           </p:cNvPr>
@@ -2699,7 +2699,7 @@
           <p:cNvPr id="7" name="灯片编号占位符 6">
             <a:extLst>
               <a:ext uri="{FF2B5EF4-FFF2-40B4-BE49-F238E27FC236}">
-                <a16:creationId xmlns:a16="http://schemas.microsoft.com/office/drawing/2014/main" id="{59EF3FE9-DD93-0412-1271-DB39BEF22A85}"/>
+                <a16:creationId xmlns:a16="http://schemas.microsoft.com/office/drawing/2014/main" id="{31F283A6-07A2-3759-9BF1-444FC2642E38}"/>
               </a:ext>
             </a:extLst>
           </p:cNvPr>
@@ -2715,7 +2715,7 @@
           <a:bodyPr/>
           <a:lstStyle/>
           <a:p>
-            <a:fld id="{70F29A4B-C964-45AA-961E-64299EF7227E}" type="slidenum">
+            <a:fld id="{EBABCDDB-7C74-4D6C-B49B-F2DD7D52895D}" type="slidenum">
               <a:rPr lang="zh-CN" altLang="en-US" smtClean="0"/>
               <a:t>‹#›</a:t>
             </a:fld>
@@ -2726,7 +2726,7 @@
     </p:spTree>
     <p:extLst>
       <p:ext uri="{BB962C8B-B14F-4D97-AF65-F5344CB8AC3E}">
-        <p14:creationId xmlns:p14="http://schemas.microsoft.com/office/powerpoint/2010/main" val="2877215387"/>
+        <p14:creationId xmlns:p14="http://schemas.microsoft.com/office/powerpoint/2010/main" val="3939642912"/>
       </p:ext>
     </p:extLst>
   </p:cSld>
@@ -2763,7 +2763,7 @@
           <p:cNvPr id="2" name="标题占位符 1">
             <a:extLst>
               <a:ext uri="{FF2B5EF4-FFF2-40B4-BE49-F238E27FC236}">
-                <a16:creationId xmlns:a16="http://schemas.microsoft.com/office/drawing/2014/main" id="{0B1FE71A-2E12-10AB-D0B9-F7062A5CA626}"/>
+                <a16:creationId xmlns:a16="http://schemas.microsoft.com/office/drawing/2014/main" id="{54B4CB38-D09A-E3CE-0F91-65EBD729730B}"/>
               </a:ext>
             </a:extLst>
           </p:cNvPr>
@@ -2801,7 +2801,7 @@
           <p:cNvPr id="3" name="文本占位符 2">
             <a:extLst>
               <a:ext uri="{FF2B5EF4-FFF2-40B4-BE49-F238E27FC236}">
-                <a16:creationId xmlns:a16="http://schemas.microsoft.com/office/drawing/2014/main" id="{28E295D3-F6E6-AD96-7043-9351449C415E}"/>
+                <a16:creationId xmlns:a16="http://schemas.microsoft.com/office/drawing/2014/main" id="{E3C86C71-F514-CD29-650D-C5704AE65F06}"/>
               </a:ext>
             </a:extLst>
           </p:cNvPr>
@@ -2868,7 +2868,7 @@
           <p:cNvPr id="4" name="日期占位符 3">
             <a:extLst>
               <a:ext uri="{FF2B5EF4-FFF2-40B4-BE49-F238E27FC236}">
-                <a16:creationId xmlns:a16="http://schemas.microsoft.com/office/drawing/2014/main" id="{0A528F54-060C-6EDA-2C3E-479083E481C9}"/>
+                <a16:creationId xmlns:a16="http://schemas.microsoft.com/office/drawing/2014/main" id="{4B281ABD-CCE5-99BA-8660-6AB9FE889E69}"/>
               </a:ext>
             </a:extLst>
           </p:cNvPr>
@@ -2902,7 +2902,7 @@
             </a:lvl1pPr>
           </a:lstStyle>
           <a:p>
-            <a:fld id="{C8C9E36E-F35E-4D8C-8BA3-C072A5F6D7BF}" type="datetimeFigureOut">
+            <a:fld id="{4033DC79-D558-4A6E-A33F-4D1C3EC3C808}" type="datetimeFigureOut">
               <a:rPr lang="zh-CN" altLang="en-US" smtClean="0"/>
               <a:t>2024/3/10</a:t>
             </a:fld>
@@ -2915,7 +2915,7 @@
           <p:cNvPr id="5" name="页脚占位符 4">
             <a:extLst>
               <a:ext uri="{FF2B5EF4-FFF2-40B4-BE49-F238E27FC236}">
-                <a16:creationId xmlns:a16="http://schemas.microsoft.com/office/drawing/2014/main" id="{49323466-C662-5994-1840-A9F45CCF7484}"/>
+                <a16:creationId xmlns:a16="http://schemas.microsoft.com/office/drawing/2014/main" id="{1F18117B-BAB1-B26D-07EB-8767AEADEC9C}"/>
               </a:ext>
             </a:extLst>
           </p:cNvPr>
@@ -2958,7 +2958,7 @@
           <p:cNvPr id="6" name="灯片编号占位符 5">
             <a:extLst>
               <a:ext uri="{FF2B5EF4-FFF2-40B4-BE49-F238E27FC236}">
-                <a16:creationId xmlns:a16="http://schemas.microsoft.com/office/drawing/2014/main" id="{B9A0337D-15FE-E35A-28E2-FE4743266209}"/>
+                <a16:creationId xmlns:a16="http://schemas.microsoft.com/office/drawing/2014/main" id="{1640C8B6-8AE9-1CE7-534A-9290B8E37C22}"/>
               </a:ext>
             </a:extLst>
           </p:cNvPr>
@@ -2992,7 +2992,7 @@
             </a:lvl1pPr>
           </a:lstStyle>
           <a:p>
-            <a:fld id="{70F29A4B-C964-45AA-961E-64299EF7227E}" type="slidenum">
+            <a:fld id="{EBABCDDB-7C74-4D6C-B49B-F2DD7D52895D}" type="slidenum">
               <a:rPr lang="zh-CN" altLang="en-US" smtClean="0"/>
               <a:t>‹#›</a:t>
             </a:fld>
@@ -3003,7 +3003,7 @@
     </p:spTree>
     <p:extLst>
       <p:ext uri="{BB962C8B-B14F-4D97-AF65-F5344CB8AC3E}">
-        <p14:creationId xmlns:p14="http://schemas.microsoft.com/office/powerpoint/2010/main" val="1742883848"/>
+        <p14:creationId xmlns:p14="http://schemas.microsoft.com/office/powerpoint/2010/main" val="3855793291"/>
       </p:ext>
     </p:extLst>
   </p:cSld>
@@ -3323,7 +3323,7 @@
       </p:grpSpPr>
       <p:pic>
         <p:nvPicPr>
-          <p:cNvPr id="1596418" name="Picture 2" descr="1558"/>
+          <p:cNvPr id="1597442" name="Picture 2" descr="1559"/>
           <p:cNvPicPr>
             <a:picLocks noChangeAspect="1" noChangeArrowheads="1"/>
           </p:cNvPicPr>
@@ -3344,8 +3344,8 @@
         </p:blipFill>
         <p:spPr bwMode="auto">
           <a:xfrm>
-            <a:off x="1524001" y="0"/>
-            <a:ext cx="9053513" cy="6789738"/>
+            <a:off x="1524000" y="15876"/>
+            <a:ext cx="9124950" cy="5789613"/>
           </a:xfrm>
           <a:prstGeom prst="rect">
             <a:avLst/>
